--- a/ppt 16-9/0305.教会根基.pptx
+++ b/ppt 16-9/0305.教会根基.pptx
@@ -129,7 +129,7 @@
           <p:cNvPr id="2" name="标题 1">
             <a:extLst>
               <a:ext uri="{FF2B5EF4-FFF2-40B4-BE49-F238E27FC236}">
-                <a16:creationId xmlns:a16="http://schemas.microsoft.com/office/drawing/2014/main" id="{6F0147CA-59E9-FBA0-0829-C93583A3DF38}"/>
+                <a16:creationId xmlns:a16="http://schemas.microsoft.com/office/drawing/2014/main" id="{22D21974-A25A-BF0B-5B8A-E81162B86400}"/>
               </a:ext>
             </a:extLst>
           </p:cNvPr>
@@ -166,7 +166,7 @@
           <p:cNvPr id="3" name="副标题 2">
             <a:extLst>
               <a:ext uri="{FF2B5EF4-FFF2-40B4-BE49-F238E27FC236}">
-                <a16:creationId xmlns:a16="http://schemas.microsoft.com/office/drawing/2014/main" id="{BD3BD770-D46B-A647-BAE4-38171F8BC0B2}"/>
+                <a16:creationId xmlns:a16="http://schemas.microsoft.com/office/drawing/2014/main" id="{99C3C5DC-8FD8-5BDA-230A-8E315CB4456A}"/>
               </a:ext>
             </a:extLst>
           </p:cNvPr>
@@ -236,7 +236,7 @@
           <p:cNvPr id="4" name="日期占位符 3">
             <a:extLst>
               <a:ext uri="{FF2B5EF4-FFF2-40B4-BE49-F238E27FC236}">
-                <a16:creationId xmlns:a16="http://schemas.microsoft.com/office/drawing/2014/main" id="{75CDE828-25CC-E51A-E0C7-43CE31048C26}"/>
+                <a16:creationId xmlns:a16="http://schemas.microsoft.com/office/drawing/2014/main" id="{14DB9906-128C-50AA-330E-1F6A879C9E59}"/>
               </a:ext>
             </a:extLst>
           </p:cNvPr>
@@ -252,7 +252,7 @@
           <a:bodyPr/>
           <a:lstStyle/>
           <a:p>
-            <a:fld id="{EE2305F1-ABFC-47EB-86AB-57D447A2BAA7}" type="datetimeFigureOut">
+            <a:fld id="{3AF18C03-02FE-4D6E-903F-6C95E6783B50}" type="datetimeFigureOut">
               <a:rPr lang="zh-CN" altLang="en-US" smtClean="0"/>
               <a:t>2024/3/10</a:t>
             </a:fld>
@@ -265,7 +265,7 @@
           <p:cNvPr id="5" name="页脚占位符 4">
             <a:extLst>
               <a:ext uri="{FF2B5EF4-FFF2-40B4-BE49-F238E27FC236}">
-                <a16:creationId xmlns:a16="http://schemas.microsoft.com/office/drawing/2014/main" id="{4575C6CB-826A-81E8-FD02-F89A0D797861}"/>
+                <a16:creationId xmlns:a16="http://schemas.microsoft.com/office/drawing/2014/main" id="{EE08E96C-0253-F0F6-94FC-75976B72D3F8}"/>
               </a:ext>
             </a:extLst>
           </p:cNvPr>
@@ -290,7 +290,7 @@
           <p:cNvPr id="6" name="灯片编号占位符 5">
             <a:extLst>
               <a:ext uri="{FF2B5EF4-FFF2-40B4-BE49-F238E27FC236}">
-                <a16:creationId xmlns:a16="http://schemas.microsoft.com/office/drawing/2014/main" id="{033B26BD-F272-81ED-5C97-050D464E0DAC}"/>
+                <a16:creationId xmlns:a16="http://schemas.microsoft.com/office/drawing/2014/main" id="{C2792E92-79C0-748C-1F24-C5D42F99BB83}"/>
               </a:ext>
             </a:extLst>
           </p:cNvPr>
@@ -306,7 +306,7 @@
           <a:bodyPr/>
           <a:lstStyle/>
           <a:p>
-            <a:fld id="{7EC9F85F-E336-4B5C-8742-B3044538C8D4}" type="slidenum">
+            <a:fld id="{96308513-524E-4491-8052-AABD9AB62B6C}" type="slidenum">
               <a:rPr lang="zh-CN" altLang="en-US" smtClean="0"/>
               <a:t>‹#›</a:t>
             </a:fld>
@@ -317,7 +317,7 @@
     </p:spTree>
     <p:extLst>
       <p:ext uri="{BB962C8B-B14F-4D97-AF65-F5344CB8AC3E}">
-        <p14:creationId xmlns:p14="http://schemas.microsoft.com/office/powerpoint/2010/main" val="2100735105"/>
+        <p14:creationId xmlns:p14="http://schemas.microsoft.com/office/powerpoint/2010/main" val="866984466"/>
       </p:ext>
     </p:extLst>
   </p:cSld>
@@ -349,7 +349,7 @@
           <p:cNvPr id="2" name="标题 1">
             <a:extLst>
               <a:ext uri="{FF2B5EF4-FFF2-40B4-BE49-F238E27FC236}">
-                <a16:creationId xmlns:a16="http://schemas.microsoft.com/office/drawing/2014/main" id="{3FEBA885-33F0-B467-4C2F-9E2C326B1B5E}"/>
+                <a16:creationId xmlns:a16="http://schemas.microsoft.com/office/drawing/2014/main" id="{B158C083-7E2F-3922-5DCC-ECB76455BAFF}"/>
               </a:ext>
             </a:extLst>
           </p:cNvPr>
@@ -377,7 +377,7 @@
           <p:cNvPr id="3" name="竖排文字占位符 2">
             <a:extLst>
               <a:ext uri="{FF2B5EF4-FFF2-40B4-BE49-F238E27FC236}">
-                <a16:creationId xmlns:a16="http://schemas.microsoft.com/office/drawing/2014/main" id="{7DDE5BB9-223F-12FC-9A93-3C095DEDEF0B}"/>
+                <a16:creationId xmlns:a16="http://schemas.microsoft.com/office/drawing/2014/main" id="{82EACDFA-6207-DE9D-8B3D-8DDE5C797D37}"/>
               </a:ext>
             </a:extLst>
           </p:cNvPr>
@@ -434,7 +434,7 @@
           <p:cNvPr id="4" name="日期占位符 3">
             <a:extLst>
               <a:ext uri="{FF2B5EF4-FFF2-40B4-BE49-F238E27FC236}">
-                <a16:creationId xmlns:a16="http://schemas.microsoft.com/office/drawing/2014/main" id="{A49D31D8-DEA4-CF9C-5FF3-35EF1BE4B1E4}"/>
+                <a16:creationId xmlns:a16="http://schemas.microsoft.com/office/drawing/2014/main" id="{ECD6EEE9-8452-1055-21AF-EF7BAC8C2A40}"/>
               </a:ext>
             </a:extLst>
           </p:cNvPr>
@@ -450,7 +450,7 @@
           <a:bodyPr/>
           <a:lstStyle/>
           <a:p>
-            <a:fld id="{EE2305F1-ABFC-47EB-86AB-57D447A2BAA7}" type="datetimeFigureOut">
+            <a:fld id="{3AF18C03-02FE-4D6E-903F-6C95E6783B50}" type="datetimeFigureOut">
               <a:rPr lang="zh-CN" altLang="en-US" smtClean="0"/>
               <a:t>2024/3/10</a:t>
             </a:fld>
@@ -463,7 +463,7 @@
           <p:cNvPr id="5" name="页脚占位符 4">
             <a:extLst>
               <a:ext uri="{FF2B5EF4-FFF2-40B4-BE49-F238E27FC236}">
-                <a16:creationId xmlns:a16="http://schemas.microsoft.com/office/drawing/2014/main" id="{4743317D-2222-A9FB-ED22-02C702181566}"/>
+                <a16:creationId xmlns:a16="http://schemas.microsoft.com/office/drawing/2014/main" id="{DC3EBEBF-9A6A-C26A-E05C-471831660AF4}"/>
               </a:ext>
             </a:extLst>
           </p:cNvPr>
@@ -488,7 +488,7 @@
           <p:cNvPr id="6" name="灯片编号占位符 5">
             <a:extLst>
               <a:ext uri="{FF2B5EF4-FFF2-40B4-BE49-F238E27FC236}">
-                <a16:creationId xmlns:a16="http://schemas.microsoft.com/office/drawing/2014/main" id="{A3E16C1B-6097-6930-E406-16ECA34C50BF}"/>
+                <a16:creationId xmlns:a16="http://schemas.microsoft.com/office/drawing/2014/main" id="{54C022FE-E14B-C7E0-01BB-A11DC44FE37A}"/>
               </a:ext>
             </a:extLst>
           </p:cNvPr>
@@ -504,7 +504,7 @@
           <a:bodyPr/>
           <a:lstStyle/>
           <a:p>
-            <a:fld id="{7EC9F85F-E336-4B5C-8742-B3044538C8D4}" type="slidenum">
+            <a:fld id="{96308513-524E-4491-8052-AABD9AB62B6C}" type="slidenum">
               <a:rPr lang="zh-CN" altLang="en-US" smtClean="0"/>
               <a:t>‹#›</a:t>
             </a:fld>
@@ -515,7 +515,7 @@
     </p:spTree>
     <p:extLst>
       <p:ext uri="{BB962C8B-B14F-4D97-AF65-F5344CB8AC3E}">
-        <p14:creationId xmlns:p14="http://schemas.microsoft.com/office/powerpoint/2010/main" val="1935361791"/>
+        <p14:creationId xmlns:p14="http://schemas.microsoft.com/office/powerpoint/2010/main" val="3336791565"/>
       </p:ext>
     </p:extLst>
   </p:cSld>
@@ -547,7 +547,7 @@
           <p:cNvPr id="2" name="竖排标题 1">
             <a:extLst>
               <a:ext uri="{FF2B5EF4-FFF2-40B4-BE49-F238E27FC236}">
-                <a16:creationId xmlns:a16="http://schemas.microsoft.com/office/drawing/2014/main" id="{EB73D125-4439-7365-BF80-9256E84E563A}"/>
+                <a16:creationId xmlns:a16="http://schemas.microsoft.com/office/drawing/2014/main" id="{50B24E1B-3CC0-A598-DDA1-B59C917EBF7D}"/>
               </a:ext>
             </a:extLst>
           </p:cNvPr>
@@ -580,7 +580,7 @@
           <p:cNvPr id="3" name="竖排文字占位符 2">
             <a:extLst>
               <a:ext uri="{FF2B5EF4-FFF2-40B4-BE49-F238E27FC236}">
-                <a16:creationId xmlns:a16="http://schemas.microsoft.com/office/drawing/2014/main" id="{49FA136B-6D1B-9228-ACF6-619B572C9EF7}"/>
+                <a16:creationId xmlns:a16="http://schemas.microsoft.com/office/drawing/2014/main" id="{739BB8B1-49AF-A977-4B2F-244FF614FCD9}"/>
               </a:ext>
             </a:extLst>
           </p:cNvPr>
@@ -642,7 +642,7 @@
           <p:cNvPr id="4" name="日期占位符 3">
             <a:extLst>
               <a:ext uri="{FF2B5EF4-FFF2-40B4-BE49-F238E27FC236}">
-                <a16:creationId xmlns:a16="http://schemas.microsoft.com/office/drawing/2014/main" id="{CA48BE71-B8C5-270A-455A-E1D1357351DB}"/>
+                <a16:creationId xmlns:a16="http://schemas.microsoft.com/office/drawing/2014/main" id="{29B0905F-BCF7-A2FA-A628-10E6276D4289}"/>
               </a:ext>
             </a:extLst>
           </p:cNvPr>
@@ -658,7 +658,7 @@
           <a:bodyPr/>
           <a:lstStyle/>
           <a:p>
-            <a:fld id="{EE2305F1-ABFC-47EB-86AB-57D447A2BAA7}" type="datetimeFigureOut">
+            <a:fld id="{3AF18C03-02FE-4D6E-903F-6C95E6783B50}" type="datetimeFigureOut">
               <a:rPr lang="zh-CN" altLang="en-US" smtClean="0"/>
               <a:t>2024/3/10</a:t>
             </a:fld>
@@ -671,7 +671,7 @@
           <p:cNvPr id="5" name="页脚占位符 4">
             <a:extLst>
               <a:ext uri="{FF2B5EF4-FFF2-40B4-BE49-F238E27FC236}">
-                <a16:creationId xmlns:a16="http://schemas.microsoft.com/office/drawing/2014/main" id="{F593B231-88F2-FC1E-83EF-43080D27F12A}"/>
+                <a16:creationId xmlns:a16="http://schemas.microsoft.com/office/drawing/2014/main" id="{8C00AAE3-6202-408E-C202-1568DEBCC27C}"/>
               </a:ext>
             </a:extLst>
           </p:cNvPr>
@@ -696,7 +696,7 @@
           <p:cNvPr id="6" name="灯片编号占位符 5">
             <a:extLst>
               <a:ext uri="{FF2B5EF4-FFF2-40B4-BE49-F238E27FC236}">
-                <a16:creationId xmlns:a16="http://schemas.microsoft.com/office/drawing/2014/main" id="{FD9FE6E0-BCF5-2021-3CB2-983BC9FDA135}"/>
+                <a16:creationId xmlns:a16="http://schemas.microsoft.com/office/drawing/2014/main" id="{CB24526D-54E8-8BA7-F90E-B54EA8F9C0CE}"/>
               </a:ext>
             </a:extLst>
           </p:cNvPr>
@@ -712,7 +712,7 @@
           <a:bodyPr/>
           <a:lstStyle/>
           <a:p>
-            <a:fld id="{7EC9F85F-E336-4B5C-8742-B3044538C8D4}" type="slidenum">
+            <a:fld id="{96308513-524E-4491-8052-AABD9AB62B6C}" type="slidenum">
               <a:rPr lang="zh-CN" altLang="en-US" smtClean="0"/>
               <a:t>‹#›</a:t>
             </a:fld>
@@ -723,7 +723,7 @@
     </p:spTree>
     <p:extLst>
       <p:ext uri="{BB962C8B-B14F-4D97-AF65-F5344CB8AC3E}">
-        <p14:creationId xmlns:p14="http://schemas.microsoft.com/office/powerpoint/2010/main" val="87046784"/>
+        <p14:creationId xmlns:p14="http://schemas.microsoft.com/office/powerpoint/2010/main" val="51050944"/>
       </p:ext>
     </p:extLst>
   </p:cSld>
@@ -755,7 +755,7 @@
           <p:cNvPr id="2" name="标题 1">
             <a:extLst>
               <a:ext uri="{FF2B5EF4-FFF2-40B4-BE49-F238E27FC236}">
-                <a16:creationId xmlns:a16="http://schemas.microsoft.com/office/drawing/2014/main" id="{855BCE59-FF3A-E8E0-C1FB-BA5798CD31FF}"/>
+                <a16:creationId xmlns:a16="http://schemas.microsoft.com/office/drawing/2014/main" id="{DAD947D3-45C9-F7D4-7789-9E277033274F}"/>
               </a:ext>
             </a:extLst>
           </p:cNvPr>
@@ -783,7 +783,7 @@
           <p:cNvPr id="3" name="内容占位符 2">
             <a:extLst>
               <a:ext uri="{FF2B5EF4-FFF2-40B4-BE49-F238E27FC236}">
-                <a16:creationId xmlns:a16="http://schemas.microsoft.com/office/drawing/2014/main" id="{5E92A6FD-CB1E-6BEB-CE91-3344048D7BBC}"/>
+                <a16:creationId xmlns:a16="http://schemas.microsoft.com/office/drawing/2014/main" id="{AA00031F-FDC0-1AE2-EF91-4409B80B74C9}"/>
               </a:ext>
             </a:extLst>
           </p:cNvPr>
@@ -840,7 +840,7 @@
           <p:cNvPr id="4" name="日期占位符 3">
             <a:extLst>
               <a:ext uri="{FF2B5EF4-FFF2-40B4-BE49-F238E27FC236}">
-                <a16:creationId xmlns:a16="http://schemas.microsoft.com/office/drawing/2014/main" id="{B1E11580-46E2-4A63-9601-B05BBB5FDE8E}"/>
+                <a16:creationId xmlns:a16="http://schemas.microsoft.com/office/drawing/2014/main" id="{C1B4719A-17EE-7DEF-3F81-B4B3D8FDA2E4}"/>
               </a:ext>
             </a:extLst>
           </p:cNvPr>
@@ -856,7 +856,7 @@
           <a:bodyPr/>
           <a:lstStyle/>
           <a:p>
-            <a:fld id="{EE2305F1-ABFC-47EB-86AB-57D447A2BAA7}" type="datetimeFigureOut">
+            <a:fld id="{3AF18C03-02FE-4D6E-903F-6C95E6783B50}" type="datetimeFigureOut">
               <a:rPr lang="zh-CN" altLang="en-US" smtClean="0"/>
               <a:t>2024/3/10</a:t>
             </a:fld>
@@ -869,7 +869,7 @@
           <p:cNvPr id="5" name="页脚占位符 4">
             <a:extLst>
               <a:ext uri="{FF2B5EF4-FFF2-40B4-BE49-F238E27FC236}">
-                <a16:creationId xmlns:a16="http://schemas.microsoft.com/office/drawing/2014/main" id="{8458E8A0-24C8-DF8D-1904-F8B503831A27}"/>
+                <a16:creationId xmlns:a16="http://schemas.microsoft.com/office/drawing/2014/main" id="{047F634B-000C-4CEC-5B9D-58030027665E}"/>
               </a:ext>
             </a:extLst>
           </p:cNvPr>
@@ -894,7 +894,7 @@
           <p:cNvPr id="6" name="灯片编号占位符 5">
             <a:extLst>
               <a:ext uri="{FF2B5EF4-FFF2-40B4-BE49-F238E27FC236}">
-                <a16:creationId xmlns:a16="http://schemas.microsoft.com/office/drawing/2014/main" id="{967A1C21-A164-51D6-7359-9D0D311B9AF1}"/>
+                <a16:creationId xmlns:a16="http://schemas.microsoft.com/office/drawing/2014/main" id="{B7190265-23D8-5C1F-8DB1-B742BD29ED09}"/>
               </a:ext>
             </a:extLst>
           </p:cNvPr>
@@ -910,7 +910,7 @@
           <a:bodyPr/>
           <a:lstStyle/>
           <a:p>
-            <a:fld id="{7EC9F85F-E336-4B5C-8742-B3044538C8D4}" type="slidenum">
+            <a:fld id="{96308513-524E-4491-8052-AABD9AB62B6C}" type="slidenum">
               <a:rPr lang="zh-CN" altLang="en-US" smtClean="0"/>
               <a:t>‹#›</a:t>
             </a:fld>
@@ -921,7 +921,7 @@
     </p:spTree>
     <p:extLst>
       <p:ext uri="{BB962C8B-B14F-4D97-AF65-F5344CB8AC3E}">
-        <p14:creationId xmlns:p14="http://schemas.microsoft.com/office/powerpoint/2010/main" val="4223712049"/>
+        <p14:creationId xmlns:p14="http://schemas.microsoft.com/office/powerpoint/2010/main" val="75591464"/>
       </p:ext>
     </p:extLst>
   </p:cSld>
@@ -953,7 +953,7 @@
           <p:cNvPr id="2" name="标题 1">
             <a:extLst>
               <a:ext uri="{FF2B5EF4-FFF2-40B4-BE49-F238E27FC236}">
-                <a16:creationId xmlns:a16="http://schemas.microsoft.com/office/drawing/2014/main" id="{3990EEED-FF2C-D622-ECF8-332F888B56D0}"/>
+                <a16:creationId xmlns:a16="http://schemas.microsoft.com/office/drawing/2014/main" id="{EFFB9211-37F7-9272-B221-EBB1D89E139A}"/>
               </a:ext>
             </a:extLst>
           </p:cNvPr>
@@ -990,7 +990,7 @@
           <p:cNvPr id="3" name="文本占位符 2">
             <a:extLst>
               <a:ext uri="{FF2B5EF4-FFF2-40B4-BE49-F238E27FC236}">
-                <a16:creationId xmlns:a16="http://schemas.microsoft.com/office/drawing/2014/main" id="{48A41D67-992A-36DC-F9A9-D8704780B084}"/>
+                <a16:creationId xmlns:a16="http://schemas.microsoft.com/office/drawing/2014/main" id="{B3692930-0F1D-F8AA-A75A-C2C0D7057C2A}"/>
               </a:ext>
             </a:extLst>
           </p:cNvPr>
@@ -1115,7 +1115,7 @@
           <p:cNvPr id="4" name="日期占位符 3">
             <a:extLst>
               <a:ext uri="{FF2B5EF4-FFF2-40B4-BE49-F238E27FC236}">
-                <a16:creationId xmlns:a16="http://schemas.microsoft.com/office/drawing/2014/main" id="{2ECF8F21-5E07-F17C-AAB5-5AF7B84CF3A2}"/>
+                <a16:creationId xmlns:a16="http://schemas.microsoft.com/office/drawing/2014/main" id="{B1AC8F93-9AF5-5B16-91AC-DFC7947270D9}"/>
               </a:ext>
             </a:extLst>
           </p:cNvPr>
@@ -1131,7 +1131,7 @@
           <a:bodyPr/>
           <a:lstStyle/>
           <a:p>
-            <a:fld id="{EE2305F1-ABFC-47EB-86AB-57D447A2BAA7}" type="datetimeFigureOut">
+            <a:fld id="{3AF18C03-02FE-4D6E-903F-6C95E6783B50}" type="datetimeFigureOut">
               <a:rPr lang="zh-CN" altLang="en-US" smtClean="0"/>
               <a:t>2024/3/10</a:t>
             </a:fld>
@@ -1144,7 +1144,7 @@
           <p:cNvPr id="5" name="页脚占位符 4">
             <a:extLst>
               <a:ext uri="{FF2B5EF4-FFF2-40B4-BE49-F238E27FC236}">
-                <a16:creationId xmlns:a16="http://schemas.microsoft.com/office/drawing/2014/main" id="{3BAF532D-6D46-8AA1-D2C1-5431F7BBDB56}"/>
+                <a16:creationId xmlns:a16="http://schemas.microsoft.com/office/drawing/2014/main" id="{75EB38D6-DFF5-FF2C-EF84-CE835FA48950}"/>
               </a:ext>
             </a:extLst>
           </p:cNvPr>
@@ -1169,7 +1169,7 @@
           <p:cNvPr id="6" name="灯片编号占位符 5">
             <a:extLst>
               <a:ext uri="{FF2B5EF4-FFF2-40B4-BE49-F238E27FC236}">
-                <a16:creationId xmlns:a16="http://schemas.microsoft.com/office/drawing/2014/main" id="{81D8487E-78DC-C8AB-CA27-C6CF87BBF0A0}"/>
+                <a16:creationId xmlns:a16="http://schemas.microsoft.com/office/drawing/2014/main" id="{F28E2311-DC0D-4AD5-31A4-5CA757692103}"/>
               </a:ext>
             </a:extLst>
           </p:cNvPr>
@@ -1185,7 +1185,7 @@
           <a:bodyPr/>
           <a:lstStyle/>
           <a:p>
-            <a:fld id="{7EC9F85F-E336-4B5C-8742-B3044538C8D4}" type="slidenum">
+            <a:fld id="{96308513-524E-4491-8052-AABD9AB62B6C}" type="slidenum">
               <a:rPr lang="zh-CN" altLang="en-US" smtClean="0"/>
               <a:t>‹#›</a:t>
             </a:fld>
@@ -1196,7 +1196,7 @@
     </p:spTree>
     <p:extLst>
       <p:ext uri="{BB962C8B-B14F-4D97-AF65-F5344CB8AC3E}">
-        <p14:creationId xmlns:p14="http://schemas.microsoft.com/office/powerpoint/2010/main" val="1017798651"/>
+        <p14:creationId xmlns:p14="http://schemas.microsoft.com/office/powerpoint/2010/main" val="692641049"/>
       </p:ext>
     </p:extLst>
   </p:cSld>
@@ -1228,7 +1228,7 @@
           <p:cNvPr id="2" name="标题 1">
             <a:extLst>
               <a:ext uri="{FF2B5EF4-FFF2-40B4-BE49-F238E27FC236}">
-                <a16:creationId xmlns:a16="http://schemas.microsoft.com/office/drawing/2014/main" id="{5371780E-FEB7-2001-7EA2-77877AD4BAFE}"/>
+                <a16:creationId xmlns:a16="http://schemas.microsoft.com/office/drawing/2014/main" id="{59FBF95B-3E1E-CBB7-B309-1CEFBEBF79B5}"/>
               </a:ext>
             </a:extLst>
           </p:cNvPr>
@@ -1256,7 +1256,7 @@
           <p:cNvPr id="3" name="内容占位符 2">
             <a:extLst>
               <a:ext uri="{FF2B5EF4-FFF2-40B4-BE49-F238E27FC236}">
-                <a16:creationId xmlns:a16="http://schemas.microsoft.com/office/drawing/2014/main" id="{FB26C7A2-9193-EA3C-FCC5-C037F309A394}"/>
+                <a16:creationId xmlns:a16="http://schemas.microsoft.com/office/drawing/2014/main" id="{570E0CDF-95B5-9B10-CF45-D2B04ABBDBFF}"/>
               </a:ext>
             </a:extLst>
           </p:cNvPr>
@@ -1318,7 +1318,7 @@
           <p:cNvPr id="4" name="内容占位符 3">
             <a:extLst>
               <a:ext uri="{FF2B5EF4-FFF2-40B4-BE49-F238E27FC236}">
-                <a16:creationId xmlns:a16="http://schemas.microsoft.com/office/drawing/2014/main" id="{BF38FAA1-06B7-0A4A-E226-BD64EB5858AA}"/>
+                <a16:creationId xmlns:a16="http://schemas.microsoft.com/office/drawing/2014/main" id="{D23433EC-4AE2-2B9C-FF1F-882236634C1D}"/>
               </a:ext>
             </a:extLst>
           </p:cNvPr>
@@ -1380,7 +1380,7 @@
           <p:cNvPr id="5" name="日期占位符 4">
             <a:extLst>
               <a:ext uri="{FF2B5EF4-FFF2-40B4-BE49-F238E27FC236}">
-                <a16:creationId xmlns:a16="http://schemas.microsoft.com/office/drawing/2014/main" id="{3A858303-16CB-EB84-1CC7-501523B5C77B}"/>
+                <a16:creationId xmlns:a16="http://schemas.microsoft.com/office/drawing/2014/main" id="{8F495BC1-11CA-E1F1-81F7-5A429A40D1CE}"/>
               </a:ext>
             </a:extLst>
           </p:cNvPr>
@@ -1396,7 +1396,7 @@
           <a:bodyPr/>
           <a:lstStyle/>
           <a:p>
-            <a:fld id="{EE2305F1-ABFC-47EB-86AB-57D447A2BAA7}" type="datetimeFigureOut">
+            <a:fld id="{3AF18C03-02FE-4D6E-903F-6C95E6783B50}" type="datetimeFigureOut">
               <a:rPr lang="zh-CN" altLang="en-US" smtClean="0"/>
               <a:t>2024/3/10</a:t>
             </a:fld>
@@ -1409,7 +1409,7 @@
           <p:cNvPr id="6" name="页脚占位符 5">
             <a:extLst>
               <a:ext uri="{FF2B5EF4-FFF2-40B4-BE49-F238E27FC236}">
-                <a16:creationId xmlns:a16="http://schemas.microsoft.com/office/drawing/2014/main" id="{4F9A96CD-71D2-9536-E148-AA555C398160}"/>
+                <a16:creationId xmlns:a16="http://schemas.microsoft.com/office/drawing/2014/main" id="{1DD4A4E0-678B-BCE4-DB69-D626797D5CBC}"/>
               </a:ext>
             </a:extLst>
           </p:cNvPr>
@@ -1434,7 +1434,7 @@
           <p:cNvPr id="7" name="灯片编号占位符 6">
             <a:extLst>
               <a:ext uri="{FF2B5EF4-FFF2-40B4-BE49-F238E27FC236}">
-                <a16:creationId xmlns:a16="http://schemas.microsoft.com/office/drawing/2014/main" id="{6AF967E5-0630-872B-36CD-FE1999C957FF}"/>
+                <a16:creationId xmlns:a16="http://schemas.microsoft.com/office/drawing/2014/main" id="{5BC29556-F144-C590-4B1C-F43692C5B4CD}"/>
               </a:ext>
             </a:extLst>
           </p:cNvPr>
@@ -1450,7 +1450,7 @@
           <a:bodyPr/>
           <a:lstStyle/>
           <a:p>
-            <a:fld id="{7EC9F85F-E336-4B5C-8742-B3044538C8D4}" type="slidenum">
+            <a:fld id="{96308513-524E-4491-8052-AABD9AB62B6C}" type="slidenum">
               <a:rPr lang="zh-CN" altLang="en-US" smtClean="0"/>
               <a:t>‹#›</a:t>
             </a:fld>
@@ -1461,7 +1461,7 @@
     </p:spTree>
     <p:extLst>
       <p:ext uri="{BB962C8B-B14F-4D97-AF65-F5344CB8AC3E}">
-        <p14:creationId xmlns:p14="http://schemas.microsoft.com/office/powerpoint/2010/main" val="2142612422"/>
+        <p14:creationId xmlns:p14="http://schemas.microsoft.com/office/powerpoint/2010/main" val="3737428723"/>
       </p:ext>
     </p:extLst>
   </p:cSld>
@@ -1493,7 +1493,7 @@
           <p:cNvPr id="2" name="标题 1">
             <a:extLst>
               <a:ext uri="{FF2B5EF4-FFF2-40B4-BE49-F238E27FC236}">
-                <a16:creationId xmlns:a16="http://schemas.microsoft.com/office/drawing/2014/main" id="{C946AF3B-0A4A-0D06-20ED-54DFEC99E5D7}"/>
+                <a16:creationId xmlns:a16="http://schemas.microsoft.com/office/drawing/2014/main" id="{918E1113-4B6A-0083-D94B-546204C4290D}"/>
               </a:ext>
             </a:extLst>
           </p:cNvPr>
@@ -1526,7 +1526,7 @@
           <p:cNvPr id="3" name="文本占位符 2">
             <a:extLst>
               <a:ext uri="{FF2B5EF4-FFF2-40B4-BE49-F238E27FC236}">
-                <a16:creationId xmlns:a16="http://schemas.microsoft.com/office/drawing/2014/main" id="{25025E99-8411-A036-905E-722493E91C43}"/>
+                <a16:creationId xmlns:a16="http://schemas.microsoft.com/office/drawing/2014/main" id="{2EDC5F7B-A8D5-CE15-9D76-E600686C2CA3}"/>
               </a:ext>
             </a:extLst>
           </p:cNvPr>
@@ -1597,7 +1597,7 @@
           <p:cNvPr id="4" name="内容占位符 3">
             <a:extLst>
               <a:ext uri="{FF2B5EF4-FFF2-40B4-BE49-F238E27FC236}">
-                <a16:creationId xmlns:a16="http://schemas.microsoft.com/office/drawing/2014/main" id="{02CD1DB5-8F82-71F0-76B7-040BE15A736F}"/>
+                <a16:creationId xmlns:a16="http://schemas.microsoft.com/office/drawing/2014/main" id="{D6043E38-7281-C928-BE0A-F4CF7EA0444E}"/>
               </a:ext>
             </a:extLst>
           </p:cNvPr>
@@ -1659,7 +1659,7 @@
           <p:cNvPr id="5" name="文本占位符 4">
             <a:extLst>
               <a:ext uri="{FF2B5EF4-FFF2-40B4-BE49-F238E27FC236}">
-                <a16:creationId xmlns:a16="http://schemas.microsoft.com/office/drawing/2014/main" id="{6E678FD1-C49F-FDDA-899F-68E538BE90A2}"/>
+                <a16:creationId xmlns:a16="http://schemas.microsoft.com/office/drawing/2014/main" id="{5750369F-ABE2-B2B0-FCF6-9B6D773E140C}"/>
               </a:ext>
             </a:extLst>
           </p:cNvPr>
@@ -1730,7 +1730,7 @@
           <p:cNvPr id="6" name="内容占位符 5">
             <a:extLst>
               <a:ext uri="{FF2B5EF4-FFF2-40B4-BE49-F238E27FC236}">
-                <a16:creationId xmlns:a16="http://schemas.microsoft.com/office/drawing/2014/main" id="{D1CE1445-8175-DBDF-CFBF-5DF5DF9C31A3}"/>
+                <a16:creationId xmlns:a16="http://schemas.microsoft.com/office/drawing/2014/main" id="{3C929B71-7D36-947F-4137-529F85BC0D37}"/>
               </a:ext>
             </a:extLst>
           </p:cNvPr>
@@ -1792,7 +1792,7 @@
           <p:cNvPr id="7" name="日期占位符 6">
             <a:extLst>
               <a:ext uri="{FF2B5EF4-FFF2-40B4-BE49-F238E27FC236}">
-                <a16:creationId xmlns:a16="http://schemas.microsoft.com/office/drawing/2014/main" id="{888EB307-9AA5-89D8-2BB6-E7E0849E9D32}"/>
+                <a16:creationId xmlns:a16="http://schemas.microsoft.com/office/drawing/2014/main" id="{4BA1BFF2-5958-C4B6-0CB9-256A943B217E}"/>
               </a:ext>
             </a:extLst>
           </p:cNvPr>
@@ -1808,7 +1808,7 @@
           <a:bodyPr/>
           <a:lstStyle/>
           <a:p>
-            <a:fld id="{EE2305F1-ABFC-47EB-86AB-57D447A2BAA7}" type="datetimeFigureOut">
+            <a:fld id="{3AF18C03-02FE-4D6E-903F-6C95E6783B50}" type="datetimeFigureOut">
               <a:rPr lang="zh-CN" altLang="en-US" smtClean="0"/>
               <a:t>2024/3/10</a:t>
             </a:fld>
@@ -1821,7 +1821,7 @@
           <p:cNvPr id="8" name="页脚占位符 7">
             <a:extLst>
               <a:ext uri="{FF2B5EF4-FFF2-40B4-BE49-F238E27FC236}">
-                <a16:creationId xmlns:a16="http://schemas.microsoft.com/office/drawing/2014/main" id="{46F2AA75-F73D-9267-5AE4-0655DCBF6076}"/>
+                <a16:creationId xmlns:a16="http://schemas.microsoft.com/office/drawing/2014/main" id="{D6E6A119-0ED5-5BBD-DAF5-E1571C41148F}"/>
               </a:ext>
             </a:extLst>
           </p:cNvPr>
@@ -1846,7 +1846,7 @@
           <p:cNvPr id="9" name="灯片编号占位符 8">
             <a:extLst>
               <a:ext uri="{FF2B5EF4-FFF2-40B4-BE49-F238E27FC236}">
-                <a16:creationId xmlns:a16="http://schemas.microsoft.com/office/drawing/2014/main" id="{6825F819-4F3D-5094-1F88-6A73BB0BEE13}"/>
+                <a16:creationId xmlns:a16="http://schemas.microsoft.com/office/drawing/2014/main" id="{6DB7DE78-698A-A917-8705-9F91C921A690}"/>
               </a:ext>
             </a:extLst>
           </p:cNvPr>
@@ -1862,7 +1862,7 @@
           <a:bodyPr/>
           <a:lstStyle/>
           <a:p>
-            <a:fld id="{7EC9F85F-E336-4B5C-8742-B3044538C8D4}" type="slidenum">
+            <a:fld id="{96308513-524E-4491-8052-AABD9AB62B6C}" type="slidenum">
               <a:rPr lang="zh-CN" altLang="en-US" smtClean="0"/>
               <a:t>‹#›</a:t>
             </a:fld>
@@ -1873,7 +1873,7 @@
     </p:spTree>
     <p:extLst>
       <p:ext uri="{BB962C8B-B14F-4D97-AF65-F5344CB8AC3E}">
-        <p14:creationId xmlns:p14="http://schemas.microsoft.com/office/powerpoint/2010/main" val="1942783483"/>
+        <p14:creationId xmlns:p14="http://schemas.microsoft.com/office/powerpoint/2010/main" val="3765740827"/>
       </p:ext>
     </p:extLst>
   </p:cSld>
@@ -1905,7 +1905,7 @@
           <p:cNvPr id="2" name="标题 1">
             <a:extLst>
               <a:ext uri="{FF2B5EF4-FFF2-40B4-BE49-F238E27FC236}">
-                <a16:creationId xmlns:a16="http://schemas.microsoft.com/office/drawing/2014/main" id="{A8959D2C-C935-2DC0-5A2D-D93682AFE94B}"/>
+                <a16:creationId xmlns:a16="http://schemas.microsoft.com/office/drawing/2014/main" id="{3F70CBFE-D9DA-6223-B96E-785BB677158F}"/>
               </a:ext>
             </a:extLst>
           </p:cNvPr>
@@ -1933,7 +1933,7 @@
           <p:cNvPr id="3" name="日期占位符 2">
             <a:extLst>
               <a:ext uri="{FF2B5EF4-FFF2-40B4-BE49-F238E27FC236}">
-                <a16:creationId xmlns:a16="http://schemas.microsoft.com/office/drawing/2014/main" id="{5492D21E-E610-045E-0CCC-C3CB3355457F}"/>
+                <a16:creationId xmlns:a16="http://schemas.microsoft.com/office/drawing/2014/main" id="{15573EFC-D888-47EA-5566-98C82C551163}"/>
               </a:ext>
             </a:extLst>
           </p:cNvPr>
@@ -1949,7 +1949,7 @@
           <a:bodyPr/>
           <a:lstStyle/>
           <a:p>
-            <a:fld id="{EE2305F1-ABFC-47EB-86AB-57D447A2BAA7}" type="datetimeFigureOut">
+            <a:fld id="{3AF18C03-02FE-4D6E-903F-6C95E6783B50}" type="datetimeFigureOut">
               <a:rPr lang="zh-CN" altLang="en-US" smtClean="0"/>
               <a:t>2024/3/10</a:t>
             </a:fld>
@@ -1962,7 +1962,7 @@
           <p:cNvPr id="4" name="页脚占位符 3">
             <a:extLst>
               <a:ext uri="{FF2B5EF4-FFF2-40B4-BE49-F238E27FC236}">
-                <a16:creationId xmlns:a16="http://schemas.microsoft.com/office/drawing/2014/main" id="{C6E8F9B8-A46C-D7F7-0D50-E46EF1C0D59F}"/>
+                <a16:creationId xmlns:a16="http://schemas.microsoft.com/office/drawing/2014/main" id="{7AC83B07-1EF2-6D04-2F02-B08FB5EEB429}"/>
               </a:ext>
             </a:extLst>
           </p:cNvPr>
@@ -1987,7 +1987,7 @@
           <p:cNvPr id="5" name="灯片编号占位符 4">
             <a:extLst>
               <a:ext uri="{FF2B5EF4-FFF2-40B4-BE49-F238E27FC236}">
-                <a16:creationId xmlns:a16="http://schemas.microsoft.com/office/drawing/2014/main" id="{23236CAE-7318-8E0D-6A7E-0C8AEF91A6F2}"/>
+                <a16:creationId xmlns:a16="http://schemas.microsoft.com/office/drawing/2014/main" id="{0A116863-8E3B-2A05-DABB-5D7F646775B0}"/>
               </a:ext>
             </a:extLst>
           </p:cNvPr>
@@ -2003,7 +2003,7 @@
           <a:bodyPr/>
           <a:lstStyle/>
           <a:p>
-            <a:fld id="{7EC9F85F-E336-4B5C-8742-B3044538C8D4}" type="slidenum">
+            <a:fld id="{96308513-524E-4491-8052-AABD9AB62B6C}" type="slidenum">
               <a:rPr lang="zh-CN" altLang="en-US" smtClean="0"/>
               <a:t>‹#›</a:t>
             </a:fld>
@@ -2014,7 +2014,7 @@
     </p:spTree>
     <p:extLst>
       <p:ext uri="{BB962C8B-B14F-4D97-AF65-F5344CB8AC3E}">
-        <p14:creationId xmlns:p14="http://schemas.microsoft.com/office/powerpoint/2010/main" val="808685025"/>
+        <p14:creationId xmlns:p14="http://schemas.microsoft.com/office/powerpoint/2010/main" val="308608952"/>
       </p:ext>
     </p:extLst>
   </p:cSld>
@@ -2046,7 +2046,7 @@
           <p:cNvPr id="2" name="日期占位符 1">
             <a:extLst>
               <a:ext uri="{FF2B5EF4-FFF2-40B4-BE49-F238E27FC236}">
-                <a16:creationId xmlns:a16="http://schemas.microsoft.com/office/drawing/2014/main" id="{043531FE-E313-DAEB-A270-12140526A79E}"/>
+                <a16:creationId xmlns:a16="http://schemas.microsoft.com/office/drawing/2014/main" id="{DAEFA8AA-9B62-5A12-1E0F-BC90038B4EF0}"/>
               </a:ext>
             </a:extLst>
           </p:cNvPr>
@@ -2062,7 +2062,7 @@
           <a:bodyPr/>
           <a:lstStyle/>
           <a:p>
-            <a:fld id="{EE2305F1-ABFC-47EB-86AB-57D447A2BAA7}" type="datetimeFigureOut">
+            <a:fld id="{3AF18C03-02FE-4D6E-903F-6C95E6783B50}" type="datetimeFigureOut">
               <a:rPr lang="zh-CN" altLang="en-US" smtClean="0"/>
               <a:t>2024/3/10</a:t>
             </a:fld>
@@ -2075,7 +2075,7 @@
           <p:cNvPr id="3" name="页脚占位符 2">
             <a:extLst>
               <a:ext uri="{FF2B5EF4-FFF2-40B4-BE49-F238E27FC236}">
-                <a16:creationId xmlns:a16="http://schemas.microsoft.com/office/drawing/2014/main" id="{435C78F8-41CE-6ABC-EA31-D2173B63DD10}"/>
+                <a16:creationId xmlns:a16="http://schemas.microsoft.com/office/drawing/2014/main" id="{600EB32D-D501-DFDD-D2C0-9B9273713C60}"/>
               </a:ext>
             </a:extLst>
           </p:cNvPr>
@@ -2100,7 +2100,7 @@
           <p:cNvPr id="4" name="灯片编号占位符 3">
             <a:extLst>
               <a:ext uri="{FF2B5EF4-FFF2-40B4-BE49-F238E27FC236}">
-                <a16:creationId xmlns:a16="http://schemas.microsoft.com/office/drawing/2014/main" id="{4E4C6B87-F735-66A5-9144-B52B03DA51A4}"/>
+                <a16:creationId xmlns:a16="http://schemas.microsoft.com/office/drawing/2014/main" id="{BE12EC35-D5EA-70C8-78AC-E0A35441BB32}"/>
               </a:ext>
             </a:extLst>
           </p:cNvPr>
@@ -2116,7 +2116,7 @@
           <a:bodyPr/>
           <a:lstStyle/>
           <a:p>
-            <a:fld id="{7EC9F85F-E336-4B5C-8742-B3044538C8D4}" type="slidenum">
+            <a:fld id="{96308513-524E-4491-8052-AABD9AB62B6C}" type="slidenum">
               <a:rPr lang="zh-CN" altLang="en-US" smtClean="0"/>
               <a:t>‹#›</a:t>
             </a:fld>
@@ -2127,7 +2127,7 @@
     </p:spTree>
     <p:extLst>
       <p:ext uri="{BB962C8B-B14F-4D97-AF65-F5344CB8AC3E}">
-        <p14:creationId xmlns:p14="http://schemas.microsoft.com/office/powerpoint/2010/main" val="821211344"/>
+        <p14:creationId xmlns:p14="http://schemas.microsoft.com/office/powerpoint/2010/main" val="3428571896"/>
       </p:ext>
     </p:extLst>
   </p:cSld>
@@ -2159,7 +2159,7 @@
           <p:cNvPr id="2" name="标题 1">
             <a:extLst>
               <a:ext uri="{FF2B5EF4-FFF2-40B4-BE49-F238E27FC236}">
-                <a16:creationId xmlns:a16="http://schemas.microsoft.com/office/drawing/2014/main" id="{83D198FC-81A8-A027-E4BB-3274BAC0EE39}"/>
+                <a16:creationId xmlns:a16="http://schemas.microsoft.com/office/drawing/2014/main" id="{1C32B38F-68B8-2FB5-F772-6480302F21B7}"/>
               </a:ext>
             </a:extLst>
           </p:cNvPr>
@@ -2196,7 +2196,7 @@
           <p:cNvPr id="3" name="内容占位符 2">
             <a:extLst>
               <a:ext uri="{FF2B5EF4-FFF2-40B4-BE49-F238E27FC236}">
-                <a16:creationId xmlns:a16="http://schemas.microsoft.com/office/drawing/2014/main" id="{5DE2B7A0-7263-D32F-3F0C-ECDAA57697B0}"/>
+                <a16:creationId xmlns:a16="http://schemas.microsoft.com/office/drawing/2014/main" id="{53E15099-6E01-22FA-0DFD-1C5C3F6CB503}"/>
               </a:ext>
             </a:extLst>
           </p:cNvPr>
@@ -2286,7 +2286,7 @@
           <p:cNvPr id="4" name="文本占位符 3">
             <a:extLst>
               <a:ext uri="{FF2B5EF4-FFF2-40B4-BE49-F238E27FC236}">
-                <a16:creationId xmlns:a16="http://schemas.microsoft.com/office/drawing/2014/main" id="{5FE2ECBC-2913-16B6-8F13-0DC0D0EA40E5}"/>
+                <a16:creationId xmlns:a16="http://schemas.microsoft.com/office/drawing/2014/main" id="{BE7B64D7-5A9C-A1D7-AE8E-5670E25F6A69}"/>
               </a:ext>
             </a:extLst>
           </p:cNvPr>
@@ -2357,7 +2357,7 @@
           <p:cNvPr id="5" name="日期占位符 4">
             <a:extLst>
               <a:ext uri="{FF2B5EF4-FFF2-40B4-BE49-F238E27FC236}">
-                <a16:creationId xmlns:a16="http://schemas.microsoft.com/office/drawing/2014/main" id="{158235C4-08C9-A2B1-D99B-E5B94DB0BAA6}"/>
+                <a16:creationId xmlns:a16="http://schemas.microsoft.com/office/drawing/2014/main" id="{93082488-A18C-CD67-B0FD-CD7CC05D5FE2}"/>
               </a:ext>
             </a:extLst>
           </p:cNvPr>
@@ -2373,7 +2373,7 @@
           <a:bodyPr/>
           <a:lstStyle/>
           <a:p>
-            <a:fld id="{EE2305F1-ABFC-47EB-86AB-57D447A2BAA7}" type="datetimeFigureOut">
+            <a:fld id="{3AF18C03-02FE-4D6E-903F-6C95E6783B50}" type="datetimeFigureOut">
               <a:rPr lang="zh-CN" altLang="en-US" smtClean="0"/>
               <a:t>2024/3/10</a:t>
             </a:fld>
@@ -2386,7 +2386,7 @@
           <p:cNvPr id="6" name="页脚占位符 5">
             <a:extLst>
               <a:ext uri="{FF2B5EF4-FFF2-40B4-BE49-F238E27FC236}">
-                <a16:creationId xmlns:a16="http://schemas.microsoft.com/office/drawing/2014/main" id="{25F01869-2624-6025-5C89-E62EEAB56E0D}"/>
+                <a16:creationId xmlns:a16="http://schemas.microsoft.com/office/drawing/2014/main" id="{373CC376-D4E8-19DF-8496-64C85023C99D}"/>
               </a:ext>
             </a:extLst>
           </p:cNvPr>
@@ -2411,7 +2411,7 @@
           <p:cNvPr id="7" name="灯片编号占位符 6">
             <a:extLst>
               <a:ext uri="{FF2B5EF4-FFF2-40B4-BE49-F238E27FC236}">
-                <a16:creationId xmlns:a16="http://schemas.microsoft.com/office/drawing/2014/main" id="{5996F142-1EAC-EDDD-C8A1-EBDCCE8E5F87}"/>
+                <a16:creationId xmlns:a16="http://schemas.microsoft.com/office/drawing/2014/main" id="{EB279CD3-7AA6-367C-E938-11D547702850}"/>
               </a:ext>
             </a:extLst>
           </p:cNvPr>
@@ -2427,7 +2427,7 @@
           <a:bodyPr/>
           <a:lstStyle/>
           <a:p>
-            <a:fld id="{7EC9F85F-E336-4B5C-8742-B3044538C8D4}" type="slidenum">
+            <a:fld id="{96308513-524E-4491-8052-AABD9AB62B6C}" type="slidenum">
               <a:rPr lang="zh-CN" altLang="en-US" smtClean="0"/>
               <a:t>‹#›</a:t>
             </a:fld>
@@ -2438,7 +2438,7 @@
     </p:spTree>
     <p:extLst>
       <p:ext uri="{BB962C8B-B14F-4D97-AF65-F5344CB8AC3E}">
-        <p14:creationId xmlns:p14="http://schemas.microsoft.com/office/powerpoint/2010/main" val="1224241115"/>
+        <p14:creationId xmlns:p14="http://schemas.microsoft.com/office/powerpoint/2010/main" val="3978598807"/>
       </p:ext>
     </p:extLst>
   </p:cSld>
@@ -2470,7 +2470,7 @@
           <p:cNvPr id="2" name="标题 1">
             <a:extLst>
               <a:ext uri="{FF2B5EF4-FFF2-40B4-BE49-F238E27FC236}">
-                <a16:creationId xmlns:a16="http://schemas.microsoft.com/office/drawing/2014/main" id="{C53E7BF6-4CB1-19B9-7C2A-FB3933516C1C}"/>
+                <a16:creationId xmlns:a16="http://schemas.microsoft.com/office/drawing/2014/main" id="{D311FAD9-BEBD-3345-F37F-3DCC6C8708E3}"/>
               </a:ext>
             </a:extLst>
           </p:cNvPr>
@@ -2507,7 +2507,7 @@
           <p:cNvPr id="3" name="图片占位符 2">
             <a:extLst>
               <a:ext uri="{FF2B5EF4-FFF2-40B4-BE49-F238E27FC236}">
-                <a16:creationId xmlns:a16="http://schemas.microsoft.com/office/drawing/2014/main" id="{21A8BEDA-CF7D-8549-A0E0-09E89FF4F7A3}"/>
+                <a16:creationId xmlns:a16="http://schemas.microsoft.com/office/drawing/2014/main" id="{E0A4B5DA-B171-23B1-5CFF-203E3FC33B79}"/>
               </a:ext>
             </a:extLst>
           </p:cNvPr>
@@ -2574,7 +2574,7 @@
           <p:cNvPr id="4" name="文本占位符 3">
             <a:extLst>
               <a:ext uri="{FF2B5EF4-FFF2-40B4-BE49-F238E27FC236}">
-                <a16:creationId xmlns:a16="http://schemas.microsoft.com/office/drawing/2014/main" id="{9905F61E-7479-D2EA-970B-611D99124E20}"/>
+                <a16:creationId xmlns:a16="http://schemas.microsoft.com/office/drawing/2014/main" id="{CF2C0954-1BDA-BD77-B7B8-6CBF555D1BED}"/>
               </a:ext>
             </a:extLst>
           </p:cNvPr>
@@ -2645,7 +2645,7 @@
           <p:cNvPr id="5" name="日期占位符 4">
             <a:extLst>
               <a:ext uri="{FF2B5EF4-FFF2-40B4-BE49-F238E27FC236}">
-                <a16:creationId xmlns:a16="http://schemas.microsoft.com/office/drawing/2014/main" id="{16A847A2-4059-208E-AC55-6033753D7F46}"/>
+                <a16:creationId xmlns:a16="http://schemas.microsoft.com/office/drawing/2014/main" id="{C91363A4-49FF-B025-443D-921E07FEEB12}"/>
               </a:ext>
             </a:extLst>
           </p:cNvPr>
@@ -2661,7 +2661,7 @@
           <a:bodyPr/>
           <a:lstStyle/>
           <a:p>
-            <a:fld id="{EE2305F1-ABFC-47EB-86AB-57D447A2BAA7}" type="datetimeFigureOut">
+            <a:fld id="{3AF18C03-02FE-4D6E-903F-6C95E6783B50}" type="datetimeFigureOut">
               <a:rPr lang="zh-CN" altLang="en-US" smtClean="0"/>
               <a:t>2024/3/10</a:t>
             </a:fld>
@@ -2674,7 +2674,7 @@
           <p:cNvPr id="6" name="页脚占位符 5">
             <a:extLst>
               <a:ext uri="{FF2B5EF4-FFF2-40B4-BE49-F238E27FC236}">
-                <a16:creationId xmlns:a16="http://schemas.microsoft.com/office/drawing/2014/main" id="{B0840D69-ACCD-EFEB-F554-81E60B355BED}"/>
+                <a16:creationId xmlns:a16="http://schemas.microsoft.com/office/drawing/2014/main" id="{E594DE05-FE3F-8A07-6B7F-91402CA5FEA6}"/>
               </a:ext>
             </a:extLst>
           </p:cNvPr>
@@ -2699,7 +2699,7 @@
           <p:cNvPr id="7" name="灯片编号占位符 6">
             <a:extLst>
               <a:ext uri="{FF2B5EF4-FFF2-40B4-BE49-F238E27FC236}">
-                <a16:creationId xmlns:a16="http://schemas.microsoft.com/office/drawing/2014/main" id="{B1D0EF6F-4187-2302-A2AE-BF021B35A245}"/>
+                <a16:creationId xmlns:a16="http://schemas.microsoft.com/office/drawing/2014/main" id="{F79AECBA-0DC7-9075-F32E-A2617779DFFF}"/>
               </a:ext>
             </a:extLst>
           </p:cNvPr>
@@ -2715,7 +2715,7 @@
           <a:bodyPr/>
           <a:lstStyle/>
           <a:p>
-            <a:fld id="{7EC9F85F-E336-4B5C-8742-B3044538C8D4}" type="slidenum">
+            <a:fld id="{96308513-524E-4491-8052-AABD9AB62B6C}" type="slidenum">
               <a:rPr lang="zh-CN" altLang="en-US" smtClean="0"/>
               <a:t>‹#›</a:t>
             </a:fld>
@@ -2726,7 +2726,7 @@
     </p:spTree>
     <p:extLst>
       <p:ext uri="{BB962C8B-B14F-4D97-AF65-F5344CB8AC3E}">
-        <p14:creationId xmlns:p14="http://schemas.microsoft.com/office/powerpoint/2010/main" val="1669182914"/>
+        <p14:creationId xmlns:p14="http://schemas.microsoft.com/office/powerpoint/2010/main" val="2653253521"/>
       </p:ext>
     </p:extLst>
   </p:cSld>
@@ -2763,7 +2763,7 @@
           <p:cNvPr id="2" name="标题占位符 1">
             <a:extLst>
               <a:ext uri="{FF2B5EF4-FFF2-40B4-BE49-F238E27FC236}">
-                <a16:creationId xmlns:a16="http://schemas.microsoft.com/office/drawing/2014/main" id="{FF21E8F2-4B24-6146-CDCC-936B988734A3}"/>
+                <a16:creationId xmlns:a16="http://schemas.microsoft.com/office/drawing/2014/main" id="{0E21B58E-48EE-4874-0A33-51171B4BF9E9}"/>
               </a:ext>
             </a:extLst>
           </p:cNvPr>
@@ -2801,7 +2801,7 @@
           <p:cNvPr id="3" name="文本占位符 2">
             <a:extLst>
               <a:ext uri="{FF2B5EF4-FFF2-40B4-BE49-F238E27FC236}">
-                <a16:creationId xmlns:a16="http://schemas.microsoft.com/office/drawing/2014/main" id="{7FACD672-5D13-2DD2-5C50-4B5304F04262}"/>
+                <a16:creationId xmlns:a16="http://schemas.microsoft.com/office/drawing/2014/main" id="{68A2A7D2-CB98-6C57-F341-9289D9C98633}"/>
               </a:ext>
             </a:extLst>
           </p:cNvPr>
@@ -2868,7 +2868,7 @@
           <p:cNvPr id="4" name="日期占位符 3">
             <a:extLst>
               <a:ext uri="{FF2B5EF4-FFF2-40B4-BE49-F238E27FC236}">
-                <a16:creationId xmlns:a16="http://schemas.microsoft.com/office/drawing/2014/main" id="{666287C1-F834-059F-E1F1-8F64E83ECA77}"/>
+                <a16:creationId xmlns:a16="http://schemas.microsoft.com/office/drawing/2014/main" id="{78D1C90C-49C4-E18F-7771-8A630832B9CA}"/>
               </a:ext>
             </a:extLst>
           </p:cNvPr>
@@ -2902,7 +2902,7 @@
             </a:lvl1pPr>
           </a:lstStyle>
           <a:p>
-            <a:fld id="{EE2305F1-ABFC-47EB-86AB-57D447A2BAA7}" type="datetimeFigureOut">
+            <a:fld id="{3AF18C03-02FE-4D6E-903F-6C95E6783B50}" type="datetimeFigureOut">
               <a:rPr lang="zh-CN" altLang="en-US" smtClean="0"/>
               <a:t>2024/3/10</a:t>
             </a:fld>
@@ -2915,7 +2915,7 @@
           <p:cNvPr id="5" name="页脚占位符 4">
             <a:extLst>
               <a:ext uri="{FF2B5EF4-FFF2-40B4-BE49-F238E27FC236}">
-                <a16:creationId xmlns:a16="http://schemas.microsoft.com/office/drawing/2014/main" id="{A53F7623-7474-C43F-429F-40479EE3EF7F}"/>
+                <a16:creationId xmlns:a16="http://schemas.microsoft.com/office/drawing/2014/main" id="{552DC155-4903-ED43-F18E-83FF4797998E}"/>
               </a:ext>
             </a:extLst>
           </p:cNvPr>
@@ -2958,7 +2958,7 @@
           <p:cNvPr id="6" name="灯片编号占位符 5">
             <a:extLst>
               <a:ext uri="{FF2B5EF4-FFF2-40B4-BE49-F238E27FC236}">
-                <a16:creationId xmlns:a16="http://schemas.microsoft.com/office/drawing/2014/main" id="{597A6D13-DB45-CA9D-6BEF-281396FE2981}"/>
+                <a16:creationId xmlns:a16="http://schemas.microsoft.com/office/drawing/2014/main" id="{E723D44F-918E-A50E-1EDA-84AAACECCDE5}"/>
               </a:ext>
             </a:extLst>
           </p:cNvPr>
@@ -2992,7 +2992,7 @@
             </a:lvl1pPr>
           </a:lstStyle>
           <a:p>
-            <a:fld id="{7EC9F85F-E336-4B5C-8742-B3044538C8D4}" type="slidenum">
+            <a:fld id="{96308513-524E-4491-8052-AABD9AB62B6C}" type="slidenum">
               <a:rPr lang="zh-CN" altLang="en-US" smtClean="0"/>
               <a:t>‹#›</a:t>
             </a:fld>
@@ -3003,7 +3003,7 @@
     </p:spTree>
     <p:extLst>
       <p:ext uri="{BB962C8B-B14F-4D97-AF65-F5344CB8AC3E}">
-        <p14:creationId xmlns:p14="http://schemas.microsoft.com/office/powerpoint/2010/main" val="203159705"/>
+        <p14:creationId xmlns:p14="http://schemas.microsoft.com/office/powerpoint/2010/main" val="2155569555"/>
       </p:ext>
     </p:extLst>
   </p:cSld>
